--- a/prezentáció.pptx
+++ b/prezentáció.pptx
@@ -130,7 +130,6 @@
 <p1510:revInfo xmlns:a="http://schemas.openxmlformats.org/drawingml/2006/main" xmlns:r="http://schemas.openxmlformats.org/officeDocument/2006/relationships" xmlns:p1510="http://schemas.microsoft.com/office/powerpoint/2015/10/main">
   <p1510:revLst>
     <p1510:client id="{27E719F5-EB2B-4702-B464-18125EC7A7B2}" v="1" dt="2023-11-22T19:19:36.187"/>
-    <p1510:client id="{A9CB71F1-E2DD-4930-BE92-4F0A573E97DB}" v="221" dt="2023-11-23T08:56:58.713"/>
   </p1510:revLst>
 </p1510:revInfo>
 </file>
@@ -4653,7 +4652,7 @@
   <pc:docChgLst>
     <pc:chgData name="Varga Balázs" userId="8de18fc9-c0b7-451b-9a21-24b2eab5faba" providerId="ADAL" clId="{27E719F5-EB2B-4702-B464-18125EC7A7B2}"/>
     <pc:docChg chg="modSld">
-      <pc:chgData name="Varga Balázs" userId="8de18fc9-c0b7-451b-9a21-24b2eab5faba" providerId="ADAL" clId="{27E719F5-EB2B-4702-B464-18125EC7A7B2}" dt="2023-11-22T19:19:36.187" v="8"/>
+      <pc:chgData name="Varga Balázs" userId="8de18fc9-c0b7-451b-9a21-24b2eab5faba" providerId="ADAL" clId="{27E719F5-EB2B-4702-B464-18125EC7A7B2}" dt="2023-11-25T09:18:00.057" v="19" actId="1076"/>
       <pc:docMkLst>
         <pc:docMk/>
       </pc:docMkLst>
@@ -4710,8 +4709,8 @@
           </ac:spMkLst>
         </pc:spChg>
       </pc:sldChg>
-      <pc:sldChg chg="modSp">
-        <pc:chgData name="Varga Balázs" userId="8de18fc9-c0b7-451b-9a21-24b2eab5faba" providerId="ADAL" clId="{27E719F5-EB2B-4702-B464-18125EC7A7B2}" dt="2023-11-22T19:19:36.187" v="8"/>
+      <pc:sldChg chg="modSp mod">
+        <pc:chgData name="Varga Balázs" userId="8de18fc9-c0b7-451b-9a21-24b2eab5faba" providerId="ADAL" clId="{27E719F5-EB2B-4702-B464-18125EC7A7B2}" dt="2023-11-25T09:17:30.695" v="13" actId="1076"/>
         <pc:sldMkLst>
           <pc:docMk/>
           <pc:sldMk cId="1813316266" sldId="259"/>
@@ -4732,9 +4731,25 @@
             <ac:spMk id="3" creationId="{C294FB10-9F86-1209-4696-CA3AB866055D}"/>
           </ac:spMkLst>
         </pc:spChg>
+        <pc:picChg chg="mod">
+          <ac:chgData name="Varga Balázs" userId="8de18fc9-c0b7-451b-9a21-24b2eab5faba" providerId="ADAL" clId="{27E719F5-EB2B-4702-B464-18125EC7A7B2}" dt="2023-11-25T09:17:30.695" v="13" actId="1076"/>
+          <ac:picMkLst>
+            <pc:docMk/>
+            <pc:sldMk cId="1813316266" sldId="259"/>
+            <ac:picMk id="5" creationId="{4A0EF276-A232-64E2-B797-19B0BD99BF02}"/>
+          </ac:picMkLst>
+        </pc:picChg>
+        <pc:picChg chg="mod">
+          <ac:chgData name="Varga Balázs" userId="8de18fc9-c0b7-451b-9a21-24b2eab5faba" providerId="ADAL" clId="{27E719F5-EB2B-4702-B464-18125EC7A7B2}" dt="2023-11-25T09:17:28.070" v="12" actId="1076"/>
+          <ac:picMkLst>
+            <pc:docMk/>
+            <pc:sldMk cId="1813316266" sldId="259"/>
+            <ac:picMk id="7" creationId="{772D51B5-293C-9A51-E1DD-F9750BFF1E9A}"/>
+          </ac:picMkLst>
+        </pc:picChg>
       </pc:sldChg>
-      <pc:sldChg chg="modSp">
-        <pc:chgData name="Varga Balázs" userId="8de18fc9-c0b7-451b-9a21-24b2eab5faba" providerId="ADAL" clId="{27E719F5-EB2B-4702-B464-18125EC7A7B2}" dt="2023-11-22T19:19:36.187" v="8"/>
+      <pc:sldChg chg="modSp mod">
+        <pc:chgData name="Varga Balázs" userId="8de18fc9-c0b7-451b-9a21-24b2eab5faba" providerId="ADAL" clId="{27E719F5-EB2B-4702-B464-18125EC7A7B2}" dt="2023-11-25T09:18:00.057" v="19" actId="1076"/>
         <pc:sldMkLst>
           <pc:docMk/>
           <pc:sldMk cId="1944346633" sldId="261"/>
@@ -4755,6 +4770,22 @@
             <ac:spMk id="3" creationId="{C294FB10-9F86-1209-4696-CA3AB866055D}"/>
           </ac:spMkLst>
         </pc:spChg>
+        <pc:picChg chg="mod">
+          <ac:chgData name="Varga Balázs" userId="8de18fc9-c0b7-451b-9a21-24b2eab5faba" providerId="ADAL" clId="{27E719F5-EB2B-4702-B464-18125EC7A7B2}" dt="2023-11-25T09:18:00.057" v="19" actId="1076"/>
+          <ac:picMkLst>
+            <pc:docMk/>
+            <pc:sldMk cId="1944346633" sldId="261"/>
+            <ac:picMk id="12" creationId="{EEBE55F4-EFE8-81C9-E6BC-332C1A2B6580}"/>
+          </ac:picMkLst>
+        </pc:picChg>
+        <pc:picChg chg="mod">
+          <ac:chgData name="Varga Balázs" userId="8de18fc9-c0b7-451b-9a21-24b2eab5faba" providerId="ADAL" clId="{27E719F5-EB2B-4702-B464-18125EC7A7B2}" dt="2023-11-25T09:17:50.887" v="17" actId="1076"/>
+          <ac:picMkLst>
+            <pc:docMk/>
+            <pc:sldMk cId="1944346633" sldId="261"/>
+            <ac:picMk id="15" creationId="{67DA88DE-6996-DF23-AFF2-2175FC4DA534}"/>
+          </ac:picMkLst>
+        </pc:picChg>
       </pc:sldChg>
     </pc:docChg>
   </pc:docChgLst>
@@ -4987,7 +5018,7 @@
           <a:p>
             <a:fld id="{48A87A34-81AB-432B-8DAE-1953F412C126}" type="datetimeFigureOut">
               <a:rPr lang="en-US" smtClean="0"/>
-              <a:t>11/23/2023</a:t>
+              <a:t>11/25/2023</a:t>
             </a:fld>
             <a:endParaRPr lang="en-US" dirty="0"/>
           </a:p>
@@ -5195,7 +5226,7 @@
           <a:p>
             <a:fld id="{48A87A34-81AB-432B-8DAE-1953F412C126}" type="datetimeFigureOut">
               <a:rPr lang="en-US" smtClean="0"/>
-              <a:t>11/23/2023</a:t>
+              <a:t>11/25/2023</a:t>
             </a:fld>
             <a:endParaRPr lang="en-US" dirty="0"/>
           </a:p>
@@ -5451,7 +5482,7 @@
           <a:p>
             <a:fld id="{48A87A34-81AB-432B-8DAE-1953F412C126}" type="datetimeFigureOut">
               <a:rPr lang="en-US" smtClean="0"/>
-              <a:t>11/23/2023</a:t>
+              <a:t>11/25/2023</a:t>
             </a:fld>
             <a:endParaRPr lang="en-US" dirty="0"/>
           </a:p>
@@ -5625,7 +5656,7 @@
           <a:p>
             <a:fld id="{48A87A34-81AB-432B-8DAE-1953F412C126}" type="datetimeFigureOut">
               <a:rPr lang="en-US" smtClean="0"/>
-              <a:t>11/23/2023</a:t>
+              <a:t>11/25/2023</a:t>
             </a:fld>
             <a:endParaRPr lang="en-US" dirty="0"/>
           </a:p>
@@ -5968,7 +5999,7 @@
           <a:p>
             <a:fld id="{48A87A34-81AB-432B-8DAE-1953F412C126}" type="datetimeFigureOut">
               <a:rPr lang="en-US" smtClean="0"/>
-              <a:t>11/23/2023</a:t>
+              <a:t>11/25/2023</a:t>
             </a:fld>
             <a:endParaRPr lang="en-US" dirty="0"/>
           </a:p>
@@ -6243,7 +6274,7 @@
           <a:p>
             <a:fld id="{48A87A34-81AB-432B-8DAE-1953F412C126}" type="datetimeFigureOut">
               <a:rPr lang="en-US" smtClean="0"/>
-              <a:t>11/23/2023</a:t>
+              <a:t>11/25/2023</a:t>
             </a:fld>
             <a:endParaRPr lang="en-US" dirty="0"/>
           </a:p>
@@ -6622,7 +6653,7 @@
           <a:p>
             <a:fld id="{48A87A34-81AB-432B-8DAE-1953F412C126}" type="datetimeFigureOut">
               <a:rPr lang="en-US" smtClean="0"/>
-              <a:t>11/23/2023</a:t>
+              <a:t>11/25/2023</a:t>
             </a:fld>
             <a:endParaRPr lang="en-US" dirty="0"/>
           </a:p>
@@ -6740,7 +6771,7 @@
           <a:p>
             <a:fld id="{48A87A34-81AB-432B-8DAE-1953F412C126}" type="datetimeFigureOut">
               <a:rPr lang="en-US" smtClean="0"/>
-              <a:t>11/23/2023</a:t>
+              <a:t>11/25/2023</a:t>
             </a:fld>
             <a:endParaRPr lang="en-US" dirty="0"/>
           </a:p>
@@ -6911,7 +6942,7 @@
           <a:p>
             <a:fld id="{48A87A34-81AB-432B-8DAE-1953F412C126}" type="datetimeFigureOut">
               <a:rPr lang="en-US" smtClean="0"/>
-              <a:t>11/23/2023</a:t>
+              <a:t>11/25/2023</a:t>
             </a:fld>
             <a:endParaRPr lang="en-US" dirty="0"/>
           </a:p>
@@ -7265,7 +7296,7 @@
           <a:p>
             <a:fld id="{48A87A34-81AB-432B-8DAE-1953F412C126}" type="datetimeFigureOut">
               <a:rPr lang="en-US" smtClean="0"/>
-              <a:t>11/23/2023</a:t>
+              <a:t>11/25/2023</a:t>
             </a:fld>
             <a:endParaRPr lang="en-US" dirty="0"/>
           </a:p>
@@ -7648,7 +7679,7 @@
             <a:fld id="{48A87A34-81AB-432B-8DAE-1953F412C126}" type="datetimeFigureOut">
               <a:rPr lang="en-US" smtClean="0"/>
               <a:pPr/>
-              <a:t>11/23/2023</a:t>
+              <a:t>11/25/2023</a:t>
             </a:fld>
             <a:endParaRPr lang="en-US" dirty="0"/>
           </a:p>
@@ -7936,7 +7967,7 @@
             <a:fld id="{48A87A34-81AB-432B-8DAE-1953F412C126}" type="datetimeFigureOut">
               <a:rPr lang="en-US" smtClean="0"/>
               <a:pPr/>
-              <a:t>11/23/2023</a:t>
+              <a:t>11/25/2023</a:t>
             </a:fld>
             <a:endParaRPr lang="en-US" dirty="0"/>
           </a:p>
@@ -14298,7 +14329,7 @@
         </p:blipFill>
         <p:spPr>
           <a:xfrm>
-            <a:off x="633999" y="712455"/>
+            <a:off x="645516" y="3394375"/>
             <a:ext cx="4020297" cy="2213421"/>
           </a:xfrm>
           <a:prstGeom prst="rect">
@@ -14386,7 +14417,7 @@
         </p:blipFill>
         <p:spPr>
           <a:xfrm>
-            <a:off x="633999" y="3333259"/>
+            <a:off x="642258" y="570755"/>
             <a:ext cx="4020296" cy="2245820"/>
           </a:xfrm>
           <a:prstGeom prst="rect">
@@ -14902,7 +14933,7 @@
         </p:blipFill>
         <p:spPr>
           <a:xfrm>
-            <a:off x="633999" y="699879"/>
+            <a:off x="648800" y="3477267"/>
             <a:ext cx="4020297" cy="2238574"/>
           </a:xfrm>
           <a:prstGeom prst="rect">
@@ -14990,7 +15021,7 @@
         </p:blipFill>
         <p:spPr>
           <a:xfrm>
-            <a:off x="633999" y="3320596"/>
+            <a:off x="648800" y="587563"/>
             <a:ext cx="4020296" cy="2271146"/>
           </a:xfrm>
           <a:prstGeom prst="rect">
@@ -15028,23 +15059,343 @@
           <a:p>
             <a:pPr marL="342900" lvl="1" indent="-342900"/>
             <a:r>
-              <a:rPr lang="en-US"/>
-              <a:t>SzulDatum mezőre vonatkozó megszorítás: A vásárló születési dátuma 14 évvel kell, hogy meghaladja a mindenkor aktuális rendszerdátumot.</a:t>
+              <a:rPr lang="en-US" dirty="0" err="1"/>
+              <a:t>SzulDatum</a:t>
+            </a:r>
+            <a:r>
+              <a:rPr lang="en-US" dirty="0"/>
+              <a:t> </a:t>
+            </a:r>
+            <a:r>
+              <a:rPr lang="en-US" dirty="0" err="1"/>
+              <a:t>mezőre</a:t>
+            </a:r>
+            <a:r>
+              <a:rPr lang="en-US" dirty="0"/>
+              <a:t> </a:t>
+            </a:r>
+            <a:r>
+              <a:rPr lang="en-US" dirty="0" err="1"/>
+              <a:t>vonatkozó</a:t>
+            </a:r>
+            <a:r>
+              <a:rPr lang="en-US" dirty="0"/>
+              <a:t> </a:t>
+            </a:r>
+            <a:r>
+              <a:rPr lang="en-US" dirty="0" err="1"/>
+              <a:t>megszorítás</a:t>
+            </a:r>
+            <a:r>
+              <a:rPr lang="en-US" dirty="0"/>
+              <a:t>: A </a:t>
+            </a:r>
+            <a:r>
+              <a:rPr lang="en-US" dirty="0" err="1"/>
+              <a:t>vásárló</a:t>
+            </a:r>
+            <a:r>
+              <a:rPr lang="en-US" dirty="0"/>
+              <a:t> </a:t>
+            </a:r>
+            <a:r>
+              <a:rPr lang="en-US" dirty="0" err="1"/>
+              <a:t>születési</a:t>
+            </a:r>
+            <a:r>
+              <a:rPr lang="en-US" dirty="0"/>
+              <a:t> </a:t>
+            </a:r>
+            <a:r>
+              <a:rPr lang="en-US" dirty="0" err="1"/>
+              <a:t>dátuma</a:t>
+            </a:r>
+            <a:r>
+              <a:rPr lang="en-US" dirty="0"/>
+              <a:t> 14 </a:t>
+            </a:r>
+            <a:r>
+              <a:rPr lang="en-US" dirty="0" err="1"/>
+              <a:t>évvel</a:t>
+            </a:r>
+            <a:r>
+              <a:rPr lang="en-US" dirty="0"/>
+              <a:t> </a:t>
+            </a:r>
+            <a:r>
+              <a:rPr lang="en-US" dirty="0" err="1"/>
+              <a:t>kell</a:t>
+            </a:r>
+            <a:r>
+              <a:rPr lang="en-US" dirty="0"/>
+              <a:t>, </a:t>
+            </a:r>
+            <a:r>
+              <a:rPr lang="en-US" dirty="0" err="1"/>
+              <a:t>hogy</a:t>
+            </a:r>
+            <a:r>
+              <a:rPr lang="en-US" dirty="0"/>
+              <a:t> </a:t>
+            </a:r>
+            <a:r>
+              <a:rPr lang="en-US" dirty="0" err="1"/>
+              <a:t>meghaladja</a:t>
+            </a:r>
+            <a:r>
+              <a:rPr lang="en-US" dirty="0"/>
+              <a:t> a </a:t>
+            </a:r>
+            <a:r>
+              <a:rPr lang="en-US" dirty="0" err="1"/>
+              <a:t>mindenkor</a:t>
+            </a:r>
+            <a:r>
+              <a:rPr lang="en-US" dirty="0"/>
+              <a:t> </a:t>
+            </a:r>
+            <a:r>
+              <a:rPr lang="en-US" dirty="0" err="1"/>
+              <a:t>aktuális</a:t>
+            </a:r>
+            <a:r>
+              <a:rPr lang="en-US" dirty="0"/>
+              <a:t> </a:t>
+            </a:r>
+            <a:r>
+              <a:rPr lang="en-US" dirty="0" err="1"/>
+              <a:t>rendszerdátumot</a:t>
+            </a:r>
+            <a:r>
+              <a:rPr lang="en-US" dirty="0"/>
+              <a:t>.</a:t>
             </a:r>
           </a:p>
           <a:p>
             <a:pPr marL="342900" lvl="1" indent="-342900"/>
-            <a:endParaRPr lang="en-US"/>
+            <a:endParaRPr lang="en-US" dirty="0"/>
           </a:p>
           <a:p>
             <a:pPr marL="342900" lvl="1" indent="-342900"/>
-            <a:endParaRPr lang="en-US"/>
+            <a:endParaRPr lang="en-US" dirty="0"/>
           </a:p>
           <a:p>
             <a:pPr marL="342900" lvl="1" indent="-342900"/>
             <a:r>
-              <a:rPr lang="en-US"/>
-              <a:t>SzigSzam mezőre vonatkozó megszorítás: A vásárló személyi igazolványának formátuma meg kell, hogy egyezzen a magyarországi szabvánnyal, avagy: 8 karakter hosszú, amiből az első 6 karakter számjegy, az utolsó 2 karakter pedig angol nagybetű.</a:t>
+              <a:rPr lang="en-US" dirty="0" err="1"/>
+              <a:t>SzigSzam</a:t>
+            </a:r>
+            <a:r>
+              <a:rPr lang="en-US" dirty="0"/>
+              <a:t> </a:t>
+            </a:r>
+            <a:r>
+              <a:rPr lang="en-US" dirty="0" err="1"/>
+              <a:t>mezőre</a:t>
+            </a:r>
+            <a:r>
+              <a:rPr lang="en-US" dirty="0"/>
+              <a:t> </a:t>
+            </a:r>
+            <a:r>
+              <a:rPr lang="en-US" dirty="0" err="1"/>
+              <a:t>vonatkozó</a:t>
+            </a:r>
+            <a:r>
+              <a:rPr lang="en-US" dirty="0"/>
+              <a:t> </a:t>
+            </a:r>
+            <a:r>
+              <a:rPr lang="en-US" dirty="0" err="1"/>
+              <a:t>megszorítás</a:t>
+            </a:r>
+            <a:r>
+              <a:rPr lang="en-US" dirty="0"/>
+              <a:t>: A </a:t>
+            </a:r>
+            <a:r>
+              <a:rPr lang="en-US" dirty="0" err="1"/>
+              <a:t>vásárló</a:t>
+            </a:r>
+            <a:r>
+              <a:rPr lang="en-US" dirty="0"/>
+              <a:t> </a:t>
+            </a:r>
+            <a:r>
+              <a:rPr lang="en-US" dirty="0" err="1"/>
+              <a:t>személyi</a:t>
+            </a:r>
+            <a:r>
+              <a:rPr lang="en-US" dirty="0"/>
+              <a:t> </a:t>
+            </a:r>
+            <a:r>
+              <a:rPr lang="en-US" dirty="0" err="1"/>
+              <a:t>igazolványának</a:t>
+            </a:r>
+            <a:r>
+              <a:rPr lang="en-US" dirty="0"/>
+              <a:t> </a:t>
+            </a:r>
+            <a:r>
+              <a:rPr lang="en-US" dirty="0" err="1"/>
+              <a:t>formátuma</a:t>
+            </a:r>
+            <a:r>
+              <a:rPr lang="en-US" dirty="0"/>
+              <a:t> meg </a:t>
+            </a:r>
+            <a:r>
+              <a:rPr lang="en-US" dirty="0" err="1"/>
+              <a:t>kell</a:t>
+            </a:r>
+            <a:r>
+              <a:rPr lang="en-US" dirty="0"/>
+              <a:t>, </a:t>
+            </a:r>
+            <a:r>
+              <a:rPr lang="en-US" dirty="0" err="1"/>
+              <a:t>hogy</a:t>
+            </a:r>
+            <a:r>
+              <a:rPr lang="en-US" dirty="0"/>
+              <a:t> </a:t>
+            </a:r>
+            <a:r>
+              <a:rPr lang="en-US" dirty="0" err="1"/>
+              <a:t>egyezzen</a:t>
+            </a:r>
+            <a:r>
+              <a:rPr lang="en-US" dirty="0"/>
+              <a:t> a </a:t>
+            </a:r>
+            <a:r>
+              <a:rPr lang="en-US" dirty="0" err="1"/>
+              <a:t>magyarországi</a:t>
+            </a:r>
+            <a:r>
+              <a:rPr lang="en-US" dirty="0"/>
+              <a:t> </a:t>
+            </a:r>
+            <a:r>
+              <a:rPr lang="en-US" dirty="0" err="1"/>
+              <a:t>szabvánnyal</a:t>
+            </a:r>
+            <a:r>
+              <a:rPr lang="en-US" dirty="0"/>
+              <a:t>, </a:t>
+            </a:r>
+            <a:r>
+              <a:rPr lang="en-US" dirty="0" err="1"/>
+              <a:t>avagy</a:t>
+            </a:r>
+            <a:r>
+              <a:rPr lang="en-US" dirty="0"/>
+              <a:t>: 8 </a:t>
+            </a:r>
+            <a:r>
+              <a:rPr lang="en-US" dirty="0" err="1"/>
+              <a:t>karakter</a:t>
+            </a:r>
+            <a:r>
+              <a:rPr lang="en-US" dirty="0"/>
+              <a:t> </a:t>
+            </a:r>
+            <a:r>
+              <a:rPr lang="en-US" dirty="0" err="1"/>
+              <a:t>hosszú</a:t>
+            </a:r>
+            <a:r>
+              <a:rPr lang="en-US" dirty="0"/>
+              <a:t>, </a:t>
+            </a:r>
+            <a:r>
+              <a:rPr lang="en-US" dirty="0" err="1"/>
+              <a:t>amiből</a:t>
+            </a:r>
+            <a:r>
+              <a:rPr lang="en-US" dirty="0"/>
+              <a:t> </a:t>
+            </a:r>
+            <a:r>
+              <a:rPr lang="en-US" dirty="0" err="1"/>
+              <a:t>az</a:t>
+            </a:r>
+            <a:r>
+              <a:rPr lang="en-US" dirty="0"/>
+              <a:t> </a:t>
+            </a:r>
+            <a:r>
+              <a:rPr lang="en-US" dirty="0" err="1"/>
+              <a:t>első</a:t>
+            </a:r>
+            <a:r>
+              <a:rPr lang="en-US" dirty="0"/>
+              <a:t> 6 </a:t>
+            </a:r>
+            <a:r>
+              <a:rPr lang="en-US" dirty="0" err="1"/>
+              <a:t>karakter</a:t>
+            </a:r>
+            <a:r>
+              <a:rPr lang="en-US" dirty="0"/>
+              <a:t> </a:t>
+            </a:r>
+            <a:r>
+              <a:rPr lang="en-US" dirty="0" err="1"/>
+              <a:t>számjegy</a:t>
+            </a:r>
+            <a:r>
+              <a:rPr lang="en-US" dirty="0"/>
+              <a:t>, </a:t>
+            </a:r>
+            <a:r>
+              <a:rPr lang="en-US" dirty="0" err="1"/>
+              <a:t>az</a:t>
+            </a:r>
+            <a:r>
+              <a:rPr lang="en-US" dirty="0"/>
+              <a:t> </a:t>
+            </a:r>
+            <a:r>
+              <a:rPr lang="en-US" dirty="0" err="1"/>
+              <a:t>utolsó</a:t>
+            </a:r>
+            <a:r>
+              <a:rPr lang="en-US" dirty="0"/>
+              <a:t> 2 </a:t>
+            </a:r>
+            <a:r>
+              <a:rPr lang="en-US" dirty="0" err="1"/>
+              <a:t>karakter</a:t>
+            </a:r>
+            <a:r>
+              <a:rPr lang="en-US" dirty="0"/>
+              <a:t> </a:t>
+            </a:r>
+            <a:r>
+              <a:rPr lang="en-US" dirty="0" err="1"/>
+              <a:t>pedig</a:t>
+            </a:r>
+            <a:r>
+              <a:rPr lang="en-US" dirty="0"/>
+              <a:t> </a:t>
+            </a:r>
+            <a:r>
+              <a:rPr lang="en-US" dirty="0" err="1"/>
+              <a:t>angol</a:t>
+            </a:r>
+            <a:r>
+              <a:rPr lang="en-US" dirty="0"/>
+              <a:t> </a:t>
+            </a:r>
+            <a:r>
+              <a:rPr lang="en-US" dirty="0" err="1"/>
+              <a:t>nagybetű</a:t>
+            </a:r>
+            <a:r>
+              <a:rPr lang="en-US" dirty="0"/>
+              <a:t>.</a:t>
             </a:r>
           </a:p>
         </p:txBody>
